--- a/Дипломный проект Крупин Максим.pptx
+++ b/Дипломный проект Крупин Максим.pptx
@@ -15,7 +15,7 @@
     <p:sldId id="262" r:id="rId6"/>
     <p:sldId id="261" r:id="rId7"/>
     <p:sldId id="281" r:id="rId8"/>
-    <p:sldId id="279" r:id="rId9"/>
+    <p:sldId id="284" r:id="rId9"/>
     <p:sldId id="282" r:id="rId10"/>
     <p:sldId id="264" r:id="rId11"/>
     <p:sldId id="283" r:id="rId12"/>
@@ -210,7 +210,7 @@
           <a:p>
             <a:fld id="{7402668F-36A1-4BD1-9F29-0905B7542EBB}" type="datetimeFigureOut">
               <a:rPr lang="ru-RU" smtClean="0"/>
-              <a:t>06.06.2024</a:t>
+              <a:t>12.06.2024</a:t>
             </a:fld>
             <a:endParaRPr lang="ru-RU"/>
           </a:p>
@@ -1199,7 +1199,7 @@
           <a:p>
             <a:fld id="{93C638FF-B9C7-4658-93A7-3E55F764286C}" type="datetimeFigureOut">
               <a:rPr lang="ru-RU" smtClean="0"/>
-              <a:t>06.06.2024</a:t>
+              <a:t>12.06.2024</a:t>
             </a:fld>
             <a:endParaRPr lang="ru-RU"/>
           </a:p>
@@ -1450,7 +1450,7 @@
           <a:p>
             <a:fld id="{93C638FF-B9C7-4658-93A7-3E55F764286C}" type="datetimeFigureOut">
               <a:rPr lang="ru-RU" smtClean="0"/>
-              <a:t>06.06.2024</a:t>
+              <a:t>12.06.2024</a:t>
             </a:fld>
             <a:endParaRPr lang="ru-RU"/>
           </a:p>
@@ -1764,7 +1764,7 @@
           <a:p>
             <a:fld id="{93C638FF-B9C7-4658-93A7-3E55F764286C}" type="datetimeFigureOut">
               <a:rPr lang="ru-RU" smtClean="0"/>
-              <a:t>06.06.2024</a:t>
+              <a:t>12.06.2024</a:t>
             </a:fld>
             <a:endParaRPr lang="ru-RU"/>
           </a:p>
@@ -2105,7 +2105,7 @@
           <a:p>
             <a:fld id="{93C638FF-B9C7-4658-93A7-3E55F764286C}" type="datetimeFigureOut">
               <a:rPr lang="ru-RU" smtClean="0"/>
-              <a:t>06.06.2024</a:t>
+              <a:t>12.06.2024</a:t>
             </a:fld>
             <a:endParaRPr lang="ru-RU"/>
           </a:p>
@@ -2419,7 +2419,7 @@
           <a:p>
             <a:fld id="{93C638FF-B9C7-4658-93A7-3E55F764286C}" type="datetimeFigureOut">
               <a:rPr lang="ru-RU" smtClean="0"/>
-              <a:t>06.06.2024</a:t>
+              <a:t>12.06.2024</a:t>
             </a:fld>
             <a:endParaRPr lang="ru-RU"/>
           </a:p>
@@ -2812,7 +2812,7 @@
           <a:p>
             <a:fld id="{93C638FF-B9C7-4658-93A7-3E55F764286C}" type="datetimeFigureOut">
               <a:rPr lang="ru-RU" smtClean="0"/>
-              <a:t>06.06.2024</a:t>
+              <a:t>12.06.2024</a:t>
             </a:fld>
             <a:endParaRPr lang="ru-RU"/>
           </a:p>
@@ -2982,7 +2982,7 @@
           <a:p>
             <a:fld id="{93C638FF-B9C7-4658-93A7-3E55F764286C}" type="datetimeFigureOut">
               <a:rPr lang="ru-RU" smtClean="0"/>
-              <a:t>06.06.2024</a:t>
+              <a:t>12.06.2024</a:t>
             </a:fld>
             <a:endParaRPr lang="ru-RU"/>
           </a:p>
@@ -3162,7 +3162,7 @@
           <a:p>
             <a:fld id="{93C638FF-B9C7-4658-93A7-3E55F764286C}" type="datetimeFigureOut">
               <a:rPr lang="ru-RU" smtClean="0"/>
-              <a:t>06.06.2024</a:t>
+              <a:t>12.06.2024</a:t>
             </a:fld>
             <a:endParaRPr lang="ru-RU"/>
           </a:p>
@@ -3338,7 +3338,7 @@
           <a:p>
             <a:fld id="{93C638FF-B9C7-4658-93A7-3E55F764286C}" type="datetimeFigureOut">
               <a:rPr lang="ru-RU" smtClean="0"/>
-              <a:t>06.06.2024</a:t>
+              <a:t>12.06.2024</a:t>
             </a:fld>
             <a:endParaRPr lang="ru-RU"/>
           </a:p>
@@ -3585,7 +3585,7 @@
           <a:p>
             <a:fld id="{93C638FF-B9C7-4658-93A7-3E55F764286C}" type="datetimeFigureOut">
               <a:rPr lang="ru-RU" smtClean="0"/>
-              <a:t>06.06.2024</a:t>
+              <a:t>12.06.2024</a:t>
             </a:fld>
             <a:endParaRPr lang="ru-RU"/>
           </a:p>
@@ -3817,7 +3817,7 @@
           <a:p>
             <a:fld id="{93C638FF-B9C7-4658-93A7-3E55F764286C}" type="datetimeFigureOut">
               <a:rPr lang="ru-RU" smtClean="0"/>
-              <a:t>06.06.2024</a:t>
+              <a:t>12.06.2024</a:t>
             </a:fld>
             <a:endParaRPr lang="ru-RU"/>
           </a:p>
@@ -4191,7 +4191,7 @@
           <a:p>
             <a:fld id="{93C638FF-B9C7-4658-93A7-3E55F764286C}" type="datetimeFigureOut">
               <a:rPr lang="ru-RU" smtClean="0"/>
-              <a:t>06.06.2024</a:t>
+              <a:t>12.06.2024</a:t>
             </a:fld>
             <a:endParaRPr lang="ru-RU"/>
           </a:p>
@@ -4314,7 +4314,7 @@
           <a:p>
             <a:fld id="{93C638FF-B9C7-4658-93A7-3E55F764286C}" type="datetimeFigureOut">
               <a:rPr lang="ru-RU" smtClean="0"/>
-              <a:t>06.06.2024</a:t>
+              <a:t>12.06.2024</a:t>
             </a:fld>
             <a:endParaRPr lang="ru-RU"/>
           </a:p>
@@ -4409,7 +4409,7 @@
           <a:p>
             <a:fld id="{93C638FF-B9C7-4658-93A7-3E55F764286C}" type="datetimeFigureOut">
               <a:rPr lang="ru-RU" smtClean="0"/>
-              <a:t>06.06.2024</a:t>
+              <a:t>12.06.2024</a:t>
             </a:fld>
             <a:endParaRPr lang="ru-RU"/>
           </a:p>
@@ -4664,7 +4664,7 @@
           <a:p>
             <a:fld id="{93C638FF-B9C7-4658-93A7-3E55F764286C}" type="datetimeFigureOut">
               <a:rPr lang="ru-RU" smtClean="0"/>
-              <a:t>06.06.2024</a:t>
+              <a:t>12.06.2024</a:t>
             </a:fld>
             <a:endParaRPr lang="ru-RU"/>
           </a:p>
@@ -4927,7 +4927,7 @@
           <a:p>
             <a:fld id="{93C638FF-B9C7-4658-93A7-3E55F764286C}" type="datetimeFigureOut">
               <a:rPr lang="ru-RU" smtClean="0"/>
-              <a:t>06.06.2024</a:t>
+              <a:t>12.06.2024</a:t>
             </a:fld>
             <a:endParaRPr lang="ru-RU"/>
           </a:p>
@@ -5670,7 +5670,7 @@
           <a:p>
             <a:fld id="{93C638FF-B9C7-4658-93A7-3E55F764286C}" type="datetimeFigureOut">
               <a:rPr lang="ru-RU" smtClean="0"/>
-              <a:t>06.06.2024</a:t>
+              <a:t>12.06.2024</a:t>
             </a:fld>
             <a:endParaRPr lang="ru-RU"/>
           </a:p>
@@ -8404,10 +8404,10 @@
       </p:sp>
       <p:pic>
         <p:nvPicPr>
-          <p:cNvPr id="18" name="Picture 6">
+          <p:cNvPr id="1028" name="Picture 4">
             <a:extLst>
               <a:ext uri="{FF2B5EF4-FFF2-40B4-BE49-F238E27FC236}">
-                <a16:creationId xmlns:a16="http://schemas.microsoft.com/office/drawing/2014/main" id="{209FE5FC-201C-46E5-8138-72CD22ACFD04}"/>
+                <a16:creationId xmlns:a16="http://schemas.microsoft.com/office/drawing/2014/main" id="{9948E7EF-DB32-453B-BA38-3D60178740F1}"/>
               </a:ext>
             </a:extLst>
           </p:cNvPr>
@@ -8431,8 +8431,8 @@
         </p:blipFill>
         <p:spPr bwMode="auto">
           <a:xfrm>
-            <a:off x="4534085" y="1332150"/>
-            <a:ext cx="3123829" cy="5353896"/>
+            <a:off x="7193281" y="1299312"/>
+            <a:ext cx="3161417" cy="5419572"/>
           </a:xfrm>
           <a:prstGeom prst="rect">
             <a:avLst/>
@@ -8451,10 +8451,10 @@
       </p:pic>
       <p:pic>
         <p:nvPicPr>
-          <p:cNvPr id="19" name="Picture 12">
+          <p:cNvPr id="9" name="Picture 2">
             <a:extLst>
               <a:ext uri="{FF2B5EF4-FFF2-40B4-BE49-F238E27FC236}">
-                <a16:creationId xmlns:a16="http://schemas.microsoft.com/office/drawing/2014/main" id="{8A0C7194-860F-46F8-8BF9-6931A4D3904E}"/>
+                <a16:creationId xmlns:a16="http://schemas.microsoft.com/office/drawing/2014/main" id="{AA2B9B4B-1D1A-445E-9133-8A4BBF38FBEC}"/>
               </a:ext>
             </a:extLst>
           </p:cNvPr>
@@ -8478,8 +8478,8 @@
         </p:blipFill>
         <p:spPr bwMode="auto">
           <a:xfrm>
-            <a:off x="8635807" y="438387"/>
-            <a:ext cx="2927144" cy="6247659"/>
+            <a:off x="1837302" y="3330044"/>
+            <a:ext cx="3161418" cy="3388840"/>
           </a:xfrm>
           <a:prstGeom prst="rect">
             <a:avLst/>
@@ -8496,57 +8496,204 @@
           </a:extLst>
         </p:spPr>
       </p:pic>
-      <p:pic>
-        <p:nvPicPr>
-          <p:cNvPr id="20" name="Picture 4">
+      <p:grpSp>
+        <p:nvGrpSpPr>
+          <p:cNvPr id="4" name="Группа 3">
             <a:extLst>
               <a:ext uri="{FF2B5EF4-FFF2-40B4-BE49-F238E27FC236}">
-                <a16:creationId xmlns:a16="http://schemas.microsoft.com/office/drawing/2014/main" id="{9E73E439-087A-4FE5-9AFB-2046C4D1B26B}"/>
+                <a16:creationId xmlns:a16="http://schemas.microsoft.com/office/drawing/2014/main" id="{219BD978-DFE5-4AB7-8E38-4ADF6034A106}"/>
               </a:ext>
             </a:extLst>
           </p:cNvPr>
-          <p:cNvPicPr>
-            <a:picLocks noChangeAspect="1" noChangeArrowheads="1"/>
-          </p:cNvPicPr>
+          <p:cNvGrpSpPr/>
           <p:nvPr/>
-        </p:nvPicPr>
-        <p:blipFill>
-          <a:blip r:embed="rId5">
+        </p:nvGrpSpPr>
+        <p:grpSpPr>
+          <a:xfrm>
+            <a:off x="7372856" y="1328293"/>
+            <a:ext cx="1136284" cy="213905"/>
+            <a:chOff x="7372856" y="1328293"/>
+            <a:chExt cx="1136284" cy="213905"/>
+          </a:xfrm>
+        </p:grpSpPr>
+        <p:pic>
+          <p:nvPicPr>
+            <p:cNvPr id="10" name="Рисунок 9">
+              <a:extLst>
+                <a:ext uri="{FF2B5EF4-FFF2-40B4-BE49-F238E27FC236}">
+                  <a16:creationId xmlns:a16="http://schemas.microsoft.com/office/drawing/2014/main" id="{097F816F-9EFB-4380-9C50-00DDFDF4B18A}"/>
+                </a:ext>
+              </a:extLst>
+            </p:cNvPr>
+            <p:cNvPicPr>
+              <a:picLocks noChangeAspect="1"/>
+            </p:cNvPicPr>
+            <p:nvPr/>
+          </p:nvPicPr>
+          <p:blipFill>
+            <a:blip r:embed="rId5"/>
+            <a:stretch>
+              <a:fillRect/>
+            </a:stretch>
+          </p:blipFill>
+          <p:spPr>
+            <a:xfrm>
+              <a:off x="7418832" y="1371600"/>
+              <a:ext cx="1090308" cy="144219"/>
+            </a:xfrm>
+            <a:prstGeom prst="rect">
+              <a:avLst/>
+            </a:prstGeom>
+          </p:spPr>
+        </p:pic>
+        <p:sp>
+          <p:nvSpPr>
+            <p:cNvPr id="3" name="Прямоугольник 2">
+              <a:extLst>
+                <a:ext uri="{FF2B5EF4-FFF2-40B4-BE49-F238E27FC236}">
+                  <a16:creationId xmlns:a16="http://schemas.microsoft.com/office/drawing/2014/main" id="{1A664710-F7A6-49AD-B651-67997C57CB42}"/>
+                </a:ext>
+              </a:extLst>
+            </p:cNvPr>
+            <p:cNvSpPr/>
+            <p:nvPr/>
+          </p:nvSpPr>
+          <p:spPr>
+            <a:xfrm>
+              <a:off x="7372856" y="1328293"/>
+              <a:ext cx="965329" cy="213905"/>
+            </a:xfrm>
+            <a:prstGeom prst="rect">
+              <a:avLst/>
+            </a:prstGeom>
+          </p:spPr>
+          <p:txBody>
+            <a:bodyPr wrap="none">
+              <a:spAutoFit/>
+            </a:bodyPr>
+            <a:lstStyle/>
+            <a:p>
+              <a:r>
+                <a:rPr lang="ru-RU" sz="790" dirty="0">
+                  <a:solidFill>
+                    <a:schemeClr val="tx1">
+                      <a:lumMod val="65000"/>
+                      <a:lumOff val="35000"/>
+                    </a:schemeClr>
+                  </a:solidFill>
+                  <a:latin typeface="Trebuchet MS" panose="020B0603020202020204" pitchFamily="34" charset="0"/>
+                </a:rPr>
+                <a:t>Создание отчёта</a:t>
+              </a:r>
+              <a:endParaRPr lang="ru-RU" sz="790" dirty="0">
+                <a:solidFill>
+                  <a:schemeClr val="tx1">
+                    <a:lumMod val="65000"/>
+                    <a:lumOff val="35000"/>
+                  </a:schemeClr>
+                </a:solidFill>
+              </a:endParaRPr>
+            </a:p>
+          </p:txBody>
+        </p:sp>
+      </p:grpSp>
+      <p:grpSp>
+        <p:nvGrpSpPr>
+          <p:cNvPr id="13" name="Группа 12">
             <a:extLst>
-              <a:ext uri="{28A0092B-C50C-407E-A947-70E740481C1C}">
-                <a14:useLocalDpi xmlns:a14="http://schemas.microsoft.com/office/drawing/2010/main" val="0"/>
+              <a:ext uri="{FF2B5EF4-FFF2-40B4-BE49-F238E27FC236}">
+                <a16:creationId xmlns:a16="http://schemas.microsoft.com/office/drawing/2014/main" id="{3F397113-3752-4980-8E69-50E616FDEC31}"/>
               </a:ext>
             </a:extLst>
-          </a:blip>
-          <a:srcRect/>
-          <a:stretch>
-            <a:fillRect/>
-          </a:stretch>
-        </p:blipFill>
-        <p:spPr bwMode="auto">
+          </p:cNvPr>
+          <p:cNvGrpSpPr/>
+          <p:nvPr/>
+        </p:nvGrpSpPr>
+        <p:grpSpPr>
           <a:xfrm>
-            <a:off x="629049" y="3429000"/>
-            <a:ext cx="2932038" cy="3317011"/>
+            <a:off x="1995078" y="3368839"/>
+            <a:ext cx="1708241" cy="233650"/>
+            <a:chOff x="1995078" y="3368839"/>
+            <a:chExt cx="1708241" cy="233650"/>
           </a:xfrm>
-          <a:prstGeom prst="rect">
-            <a:avLst/>
-          </a:prstGeom>
-          <a:noFill/>
-          <a:extLst>
-            <a:ext uri="{909E8E84-426E-40DD-AFC4-6F175D3DCCD1}">
-              <a14:hiddenFill xmlns:a14="http://schemas.microsoft.com/office/drawing/2010/main">
-                <a:solidFill>
-                  <a:srgbClr val="FFFFFF"/>
-                </a:solidFill>
-              </a14:hiddenFill>
-            </a:ext>
-          </a:extLst>
-        </p:spPr>
-      </p:pic>
+        </p:grpSpPr>
+        <p:pic>
+          <p:nvPicPr>
+            <p:cNvPr id="11" name="Рисунок 10">
+              <a:extLst>
+                <a:ext uri="{FF2B5EF4-FFF2-40B4-BE49-F238E27FC236}">
+                  <a16:creationId xmlns:a16="http://schemas.microsoft.com/office/drawing/2014/main" id="{7CB9679F-2577-4F48-86D9-824040CA146C}"/>
+                </a:ext>
+              </a:extLst>
+            </p:cNvPr>
+            <p:cNvPicPr>
+              <a:picLocks noChangeAspect="1"/>
+            </p:cNvPicPr>
+            <p:nvPr/>
+          </p:nvPicPr>
+          <p:blipFill>
+            <a:blip r:embed="rId5"/>
+            <a:stretch>
+              <a:fillRect/>
+            </a:stretch>
+          </p:blipFill>
+          <p:spPr>
+            <a:xfrm>
+              <a:off x="2076830" y="3387347"/>
+              <a:ext cx="1626489" cy="215142"/>
+            </a:xfrm>
+            <a:prstGeom prst="rect">
+              <a:avLst/>
+            </a:prstGeom>
+          </p:spPr>
+        </p:pic>
+        <p:sp>
+          <p:nvSpPr>
+            <p:cNvPr id="5" name="Прямоугольник 4">
+              <a:extLst>
+                <a:ext uri="{FF2B5EF4-FFF2-40B4-BE49-F238E27FC236}">
+                  <a16:creationId xmlns:a16="http://schemas.microsoft.com/office/drawing/2014/main" id="{9D127441-66AB-453D-8F03-AC19AAEDF559}"/>
+                </a:ext>
+              </a:extLst>
+            </p:cNvPr>
+            <p:cNvSpPr/>
+            <p:nvPr/>
+          </p:nvSpPr>
+          <p:spPr>
+            <a:xfrm>
+              <a:off x="1995078" y="3368839"/>
+              <a:ext cx="680142" cy="213905"/>
+            </a:xfrm>
+            <a:prstGeom prst="rect">
+              <a:avLst/>
+            </a:prstGeom>
+          </p:spPr>
+          <p:txBody>
+            <a:bodyPr wrap="square">
+              <a:spAutoFit/>
+            </a:bodyPr>
+            <a:lstStyle/>
+            <a:p>
+              <a:r>
+                <a:rPr lang="ru-RU" sz="790" dirty="0">
+                  <a:solidFill>
+                    <a:schemeClr val="tx1">
+                      <a:lumMod val="65000"/>
+                      <a:lumOff val="35000"/>
+                    </a:schemeClr>
+                  </a:solidFill>
+                  <a:latin typeface="Trebuchet MS" panose="020B0603020202020204" pitchFamily="34" charset="0"/>
+                </a:rPr>
+                <a:t>Аккаунт</a:t>
+              </a:r>
+            </a:p>
+          </p:txBody>
+        </p:sp>
+      </p:grpSp>
     </p:spTree>
     <p:extLst>
       <p:ext uri="{BB962C8B-B14F-4D97-AF65-F5344CB8AC3E}">
-        <p14:creationId xmlns:p14="http://schemas.microsoft.com/office/powerpoint/2010/main" val="695045347"/>
+        <p14:creationId xmlns:p14="http://schemas.microsoft.com/office/powerpoint/2010/main" val="2980521200"/>
       </p:ext>
     </p:extLst>
   </p:cSld>
@@ -8595,8 +8742,8 @@
         </p:blipFill>
         <p:spPr>
           <a:xfrm>
-            <a:off x="7193281" y="-58724"/>
-            <a:ext cx="4998720" cy="6979641"/>
+            <a:off x="7193280" y="-42672"/>
+            <a:ext cx="4998720" cy="7022313"/>
           </a:xfrm>
           <a:prstGeom prst="rect">
             <a:avLst/>
@@ -8644,10 +8791,10 @@
       </p:sp>
       <p:pic>
         <p:nvPicPr>
-          <p:cNvPr id="7" name="Picture 10">
+          <p:cNvPr id="6" name="Picture 12">
             <a:extLst>
               <a:ext uri="{FF2B5EF4-FFF2-40B4-BE49-F238E27FC236}">
-                <a16:creationId xmlns:a16="http://schemas.microsoft.com/office/drawing/2014/main" id="{286CA6EF-66DA-424A-B912-99DCCADB24CB}"/>
+                <a16:creationId xmlns:a16="http://schemas.microsoft.com/office/drawing/2014/main" id="{8362D784-B2FD-47B1-8448-018B2870F5CC}"/>
               </a:ext>
             </a:extLst>
           </p:cNvPr>
@@ -8671,8 +8818,8 @@
         </p:blipFill>
         <p:spPr bwMode="auto">
           <a:xfrm>
-            <a:off x="1814149" y="2034982"/>
-            <a:ext cx="3184571" cy="3444890"/>
+            <a:off x="759706" y="480477"/>
+            <a:ext cx="2927144" cy="6247659"/>
           </a:xfrm>
           <a:prstGeom prst="rect">
             <a:avLst/>
@@ -8718,7 +8865,7 @@
         </p:blipFill>
         <p:spPr bwMode="auto">
           <a:xfrm>
-            <a:off x="7255219" y="1158575"/>
+            <a:off x="4438635" y="1530431"/>
             <a:ext cx="3314730" cy="5197705"/>
           </a:xfrm>
           <a:prstGeom prst="rect">
@@ -8736,6 +8883,342 @@
           </a:extLst>
         </p:spPr>
       </p:pic>
+      <p:pic>
+        <p:nvPicPr>
+          <p:cNvPr id="10" name="Рисунок 9">
+            <a:extLst>
+              <a:ext uri="{FF2B5EF4-FFF2-40B4-BE49-F238E27FC236}">
+                <a16:creationId xmlns:a16="http://schemas.microsoft.com/office/drawing/2014/main" id="{0590963E-D6F9-4A36-8D21-F4040EF6C69C}"/>
+              </a:ext>
+            </a:extLst>
+          </p:cNvPr>
+          <p:cNvPicPr>
+            <a:picLocks noChangeAspect="1"/>
+          </p:cNvPicPr>
+          <p:nvPr/>
+        </p:nvPicPr>
+        <p:blipFill>
+          <a:blip r:embed="rId5"/>
+          <a:stretch>
+            <a:fillRect/>
+          </a:stretch>
+        </p:blipFill>
+        <p:spPr>
+          <a:xfrm>
+            <a:off x="4681748" y="1627632"/>
+            <a:ext cx="1090308" cy="144219"/>
+          </a:xfrm>
+          <a:prstGeom prst="rect">
+            <a:avLst/>
+          </a:prstGeom>
+        </p:spPr>
+      </p:pic>
+      <p:sp>
+        <p:nvSpPr>
+          <p:cNvPr id="4" name="Прямоугольник 3">
+            <a:extLst>
+              <a:ext uri="{FF2B5EF4-FFF2-40B4-BE49-F238E27FC236}">
+                <a16:creationId xmlns:a16="http://schemas.microsoft.com/office/drawing/2014/main" id="{E684FEB3-6139-4222-A6BF-542124996869}"/>
+              </a:ext>
+            </a:extLst>
+          </p:cNvPr>
+          <p:cNvSpPr/>
+          <p:nvPr/>
+        </p:nvSpPr>
+        <p:spPr>
+          <a:xfrm>
+            <a:off x="4625410" y="1592019"/>
+            <a:ext cx="1332416" cy="215444"/>
+          </a:xfrm>
+          <a:prstGeom prst="rect">
+            <a:avLst/>
+          </a:prstGeom>
+          <a:effectLst/>
+        </p:spPr>
+        <p:txBody>
+          <a:bodyPr wrap="none">
+            <a:spAutoFit/>
+          </a:bodyPr>
+          <a:lstStyle/>
+          <a:p>
+            <a:r>
+              <a:rPr lang="ru-RU" sz="790" dirty="0">
+                <a:solidFill>
+                  <a:schemeClr val="tx1">
+                    <a:lumMod val="65000"/>
+                    <a:lumOff val="35000"/>
+                  </a:schemeClr>
+                </a:solidFill>
+                <a:latin typeface="Trebuchet MS" panose="020B0603020202020204" pitchFamily="34" charset="0"/>
+              </a:rPr>
+              <a:t>Добавление сотрудника</a:t>
+            </a:r>
+            <a:endParaRPr lang="ru-RU" sz="790" dirty="0">
+              <a:solidFill>
+                <a:schemeClr val="tx1">
+                  <a:lumMod val="65000"/>
+                  <a:lumOff val="35000"/>
+                </a:schemeClr>
+              </a:solidFill>
+            </a:endParaRPr>
+          </a:p>
+        </p:txBody>
+      </p:sp>
+      <p:grpSp>
+        <p:nvGrpSpPr>
+          <p:cNvPr id="13" name="Группа 12">
+            <a:extLst>
+              <a:ext uri="{FF2B5EF4-FFF2-40B4-BE49-F238E27FC236}">
+                <a16:creationId xmlns:a16="http://schemas.microsoft.com/office/drawing/2014/main" id="{DFBC884B-193C-4C1B-AA12-1FB545677B44}"/>
+              </a:ext>
+            </a:extLst>
+          </p:cNvPr>
+          <p:cNvGrpSpPr/>
+          <p:nvPr/>
+        </p:nvGrpSpPr>
+        <p:grpSpPr>
+          <a:xfrm>
+            <a:off x="8505150" y="3283246"/>
+            <a:ext cx="3184571" cy="3444890"/>
+            <a:chOff x="8505150" y="3283246"/>
+            <a:chExt cx="3184571" cy="3444890"/>
+          </a:xfrm>
+        </p:grpSpPr>
+        <p:pic>
+          <p:nvPicPr>
+            <p:cNvPr id="7" name="Picture 10">
+              <a:extLst>
+                <a:ext uri="{FF2B5EF4-FFF2-40B4-BE49-F238E27FC236}">
+                  <a16:creationId xmlns:a16="http://schemas.microsoft.com/office/drawing/2014/main" id="{286CA6EF-66DA-424A-B912-99DCCADB24CB}"/>
+                </a:ext>
+              </a:extLst>
+            </p:cNvPr>
+            <p:cNvPicPr>
+              <a:picLocks noChangeAspect="1" noChangeArrowheads="1"/>
+            </p:cNvPicPr>
+            <p:nvPr/>
+          </p:nvPicPr>
+          <p:blipFill>
+            <a:blip r:embed="rId6">
+              <a:extLst>
+                <a:ext uri="{28A0092B-C50C-407E-A947-70E740481C1C}">
+                  <a14:useLocalDpi xmlns:a14="http://schemas.microsoft.com/office/drawing/2010/main" val="0"/>
+                </a:ext>
+              </a:extLst>
+            </a:blip>
+            <a:srcRect/>
+            <a:stretch>
+              <a:fillRect/>
+            </a:stretch>
+          </p:blipFill>
+          <p:spPr bwMode="auto">
+            <a:xfrm>
+              <a:off x="8505150" y="3283246"/>
+              <a:ext cx="3184571" cy="3444890"/>
+            </a:xfrm>
+            <a:prstGeom prst="rect">
+              <a:avLst/>
+            </a:prstGeom>
+            <a:noFill/>
+            <a:extLst>
+              <a:ext uri="{909E8E84-426E-40DD-AFC4-6F175D3DCCD1}">
+                <a14:hiddenFill xmlns:a14="http://schemas.microsoft.com/office/drawing/2010/main">
+                  <a:solidFill>
+                    <a:srgbClr val="FFFFFF"/>
+                  </a:solidFill>
+                </a14:hiddenFill>
+              </a:ext>
+            </a:extLst>
+          </p:spPr>
+        </p:pic>
+        <p:pic>
+          <p:nvPicPr>
+            <p:cNvPr id="3" name="Рисунок 2">
+              <a:extLst>
+                <a:ext uri="{FF2B5EF4-FFF2-40B4-BE49-F238E27FC236}">
+                  <a16:creationId xmlns:a16="http://schemas.microsoft.com/office/drawing/2014/main" id="{B8C8F2F9-2CD1-485A-AB0E-4EE07D0968E7}"/>
+                </a:ext>
+              </a:extLst>
+            </p:cNvPr>
+            <p:cNvPicPr>
+              <a:picLocks noChangeAspect="1"/>
+            </p:cNvPicPr>
+            <p:nvPr/>
+          </p:nvPicPr>
+          <p:blipFill>
+            <a:blip r:embed="rId5"/>
+            <a:stretch>
+              <a:fillRect/>
+            </a:stretch>
+          </p:blipFill>
+          <p:spPr>
+            <a:xfrm>
+              <a:off x="8778240" y="3377184"/>
+              <a:ext cx="1090308" cy="144219"/>
+            </a:xfrm>
+            <a:prstGeom prst="rect">
+              <a:avLst/>
+            </a:prstGeom>
+          </p:spPr>
+        </p:pic>
+        <p:sp>
+          <p:nvSpPr>
+            <p:cNvPr id="12" name="Прямоугольник 11">
+              <a:extLst>
+                <a:ext uri="{FF2B5EF4-FFF2-40B4-BE49-F238E27FC236}">
+                  <a16:creationId xmlns:a16="http://schemas.microsoft.com/office/drawing/2014/main" id="{1AB457E9-4F6E-425A-9F7E-0ACC42763307}"/>
+                </a:ext>
+              </a:extLst>
+            </p:cNvPr>
+            <p:cNvSpPr/>
+            <p:nvPr/>
+          </p:nvSpPr>
+          <p:spPr>
+            <a:xfrm>
+              <a:off x="8698992" y="3353068"/>
+              <a:ext cx="1200970" cy="213905"/>
+            </a:xfrm>
+            <a:prstGeom prst="rect">
+              <a:avLst/>
+            </a:prstGeom>
+            <a:effectLst>
+              <a:glow rad="127000">
+                <a:schemeClr val="accent1"/>
+              </a:glow>
+              <a:softEdge rad="0"/>
+            </a:effectLst>
+          </p:spPr>
+          <p:txBody>
+            <a:bodyPr wrap="none">
+              <a:spAutoFit/>
+            </a:bodyPr>
+            <a:lstStyle/>
+            <a:p>
+              <a:r>
+                <a:rPr lang="ru-RU" sz="790" dirty="0">
+                  <a:solidFill>
+                    <a:schemeClr val="tx1">
+                      <a:lumMod val="65000"/>
+                      <a:lumOff val="35000"/>
+                    </a:schemeClr>
+                  </a:solidFill>
+                  <a:latin typeface="Trebuchet MS" panose="020B0603020202020204" pitchFamily="34" charset="0"/>
+                </a:rPr>
+                <a:t>Удаление сотрудника</a:t>
+              </a:r>
+              <a:endParaRPr lang="ru-RU" sz="790" dirty="0">
+                <a:solidFill>
+                  <a:schemeClr val="tx1">
+                    <a:lumMod val="65000"/>
+                    <a:lumOff val="35000"/>
+                  </a:schemeClr>
+                </a:solidFill>
+              </a:endParaRPr>
+            </a:p>
+          </p:txBody>
+        </p:sp>
+      </p:grpSp>
+      <p:grpSp>
+        <p:nvGrpSpPr>
+          <p:cNvPr id="26" name="Группа 25">
+            <a:extLst>
+              <a:ext uri="{FF2B5EF4-FFF2-40B4-BE49-F238E27FC236}">
+                <a16:creationId xmlns:a16="http://schemas.microsoft.com/office/drawing/2014/main" id="{41F6AA85-FE8B-4C28-A776-8CFF7CFC872A}"/>
+              </a:ext>
+            </a:extLst>
+          </p:cNvPr>
+          <p:cNvGrpSpPr/>
+          <p:nvPr/>
+        </p:nvGrpSpPr>
+        <p:grpSpPr>
+          <a:xfrm>
+            <a:off x="925338" y="520651"/>
+            <a:ext cx="1134234" cy="215444"/>
+            <a:chOff x="925338" y="520651"/>
+            <a:chExt cx="1134234" cy="215444"/>
+          </a:xfrm>
+        </p:grpSpPr>
+        <p:pic>
+          <p:nvPicPr>
+            <p:cNvPr id="11" name="Рисунок 10">
+              <a:extLst>
+                <a:ext uri="{FF2B5EF4-FFF2-40B4-BE49-F238E27FC236}">
+                  <a16:creationId xmlns:a16="http://schemas.microsoft.com/office/drawing/2014/main" id="{F7DF9F4A-975A-45BF-B13E-CF2DC48B417C}"/>
+                </a:ext>
+              </a:extLst>
+            </p:cNvPr>
+            <p:cNvPicPr>
+              <a:picLocks noChangeAspect="1"/>
+            </p:cNvPicPr>
+            <p:nvPr/>
+          </p:nvPicPr>
+          <p:blipFill>
+            <a:blip r:embed="rId5"/>
+            <a:stretch>
+              <a:fillRect/>
+            </a:stretch>
+          </p:blipFill>
+          <p:spPr>
+            <a:xfrm>
+              <a:off x="969264" y="548640"/>
+              <a:ext cx="1090308" cy="144219"/>
+            </a:xfrm>
+            <a:prstGeom prst="rect">
+              <a:avLst/>
+            </a:prstGeom>
+          </p:spPr>
+        </p:pic>
+        <p:sp>
+          <p:nvSpPr>
+            <p:cNvPr id="25" name="Прямоугольник 24">
+              <a:extLst>
+                <a:ext uri="{FF2B5EF4-FFF2-40B4-BE49-F238E27FC236}">
+                  <a16:creationId xmlns:a16="http://schemas.microsoft.com/office/drawing/2014/main" id="{2068C108-9122-47EA-AFFB-00AE238EA814}"/>
+                </a:ext>
+              </a:extLst>
+            </p:cNvPr>
+            <p:cNvSpPr/>
+            <p:nvPr/>
+          </p:nvSpPr>
+          <p:spPr>
+            <a:xfrm>
+              <a:off x="925338" y="520651"/>
+              <a:ext cx="1083951" cy="215444"/>
+            </a:xfrm>
+            <a:prstGeom prst="rect">
+              <a:avLst/>
+            </a:prstGeom>
+          </p:spPr>
+          <p:txBody>
+            <a:bodyPr wrap="none">
+              <a:spAutoFit/>
+            </a:bodyPr>
+            <a:lstStyle/>
+            <a:p>
+              <a:r>
+                <a:rPr lang="ru-RU" sz="790" dirty="0">
+                  <a:solidFill>
+                    <a:schemeClr val="tx1">
+                      <a:lumMod val="65000"/>
+                      <a:lumOff val="35000"/>
+                    </a:schemeClr>
+                  </a:solidFill>
+                  <a:latin typeface="Trebuchet MS" panose="020B0603020202020204" pitchFamily="34" charset="0"/>
+                </a:rPr>
+                <a:t>Выбор должностей</a:t>
+              </a:r>
+              <a:endParaRPr lang="ru-RU" sz="790" dirty="0">
+                <a:solidFill>
+                  <a:schemeClr val="tx1">
+                    <a:lumMod val="65000"/>
+                    <a:lumOff val="35000"/>
+                  </a:schemeClr>
+                </a:solidFill>
+              </a:endParaRPr>
+            </a:p>
+          </p:txBody>
+        </p:sp>
+      </p:grpSp>
     </p:spTree>
     <p:extLst>
       <p:ext uri="{BB962C8B-B14F-4D97-AF65-F5344CB8AC3E}">
